--- a/présentation/Bloc_03_Projet_Conversion_rate.pptx
+++ b/présentation/Bloc_03_Projet_Conversion_rate.pptx
@@ -286,7 +286,7 @@
   <pc:docChgLst>
     <pc:chgData name="Jean-Yves Vuillequez" userId="e7fac481abea6bd0" providerId="LiveId" clId="{79E365E8-22BC-4EC2-9606-9A9AC6CD1D22}"/>
     <pc:docChg chg="undo custSel addSld delSld modSld addMainMaster delMainMaster">
-      <pc:chgData name="Jean-Yves Vuillequez" userId="e7fac481abea6bd0" providerId="LiveId" clId="{79E365E8-22BC-4EC2-9606-9A9AC6CD1D22}" dt="2026-02-03T16:44:30.749" v="1153" actId="20577"/>
+      <pc:chgData name="Jean-Yves Vuillequez" userId="e7fac481abea6bd0" providerId="LiveId" clId="{79E365E8-22BC-4EC2-9606-9A9AC6CD1D22}" dt="2026-02-11T16:19:00.194" v="1163" actId="20577"/>
       <pc:docMkLst>
         <pc:docMk/>
       </pc:docMkLst>
@@ -321,13 +321,6 @@
           </ac:spMkLst>
         </pc:spChg>
       </pc:sldChg>
-      <pc:sldChg chg="addSp delSp modSp del mod addAnim delAnim modNotesTx">
-        <pc:chgData name="Jean-Yves Vuillequez" userId="e7fac481abea6bd0" providerId="LiveId" clId="{79E365E8-22BC-4EC2-9606-9A9AC6CD1D22}" dt="2026-02-02T16:13:04.122" v="243" actId="47"/>
-        <pc:sldMkLst>
-          <pc:docMk/>
-          <pc:sldMk cId="0" sldId="258"/>
-        </pc:sldMkLst>
-      </pc:sldChg>
       <pc:sldChg chg="add del">
         <pc:chgData name="Jean-Yves Vuillequez" userId="e7fac481abea6bd0" providerId="LiveId" clId="{79E365E8-22BC-4EC2-9606-9A9AC6CD1D22}" dt="2026-01-16T10:47:03.962" v="33" actId="47"/>
         <pc:sldMkLst>
@@ -341,22 +334,6 @@
           <pc:docMk/>
           <pc:sldMk cId="0" sldId="272"/>
         </pc:sldMkLst>
-        <pc:spChg chg="add">
-          <ac:chgData name="Jean-Yves Vuillequez" userId="e7fac481abea6bd0" providerId="LiveId" clId="{79E365E8-22BC-4EC2-9606-9A9AC6CD1D22}" dt="2026-02-02T16:04:03.132" v="159"/>
-          <ac:spMkLst>
-            <pc:docMk/>
-            <pc:sldMk cId="0" sldId="272"/>
-            <ac:spMk id="3" creationId="{69EC7EC7-70AE-B172-98DC-931EDC2972A8}"/>
-          </ac:spMkLst>
-        </pc:spChg>
-        <pc:spChg chg="add">
-          <ac:chgData name="Jean-Yves Vuillequez" userId="e7fac481abea6bd0" providerId="LiveId" clId="{79E365E8-22BC-4EC2-9606-9A9AC6CD1D22}" dt="2026-02-02T16:04:07.071" v="160"/>
-          <ac:spMkLst>
-            <pc:docMk/>
-            <pc:sldMk cId="0" sldId="272"/>
-            <ac:spMk id="4" creationId="{4A09F588-55DA-E534-BDC9-4788F643FD19}"/>
-          </ac:spMkLst>
-        </pc:spChg>
         <pc:spChg chg="mod">
           <ac:chgData name="Jean-Yves Vuillequez" userId="e7fac481abea6bd0" providerId="LiveId" clId="{79E365E8-22BC-4EC2-9606-9A9AC6CD1D22}" dt="2026-02-02T16:04:01.333" v="158" actId="14100"/>
           <ac:spMkLst>
@@ -421,28 +398,12 @@
             <ac:grpSpMk id="7" creationId="{22FBBE8F-0634-76B3-524A-215301EEC5AE}"/>
           </ac:grpSpMkLst>
         </pc:grpChg>
-        <pc:grpChg chg="del">
-          <ac:chgData name="Jean-Yves Vuillequez" userId="e7fac481abea6bd0" providerId="LiveId" clId="{79E365E8-22BC-4EC2-9606-9A9AC6CD1D22}" dt="2026-02-02T16:12:38.152" v="230" actId="21"/>
-          <ac:grpSpMkLst>
-            <pc:docMk/>
-            <pc:sldMk cId="0" sldId="272"/>
-            <ac:grpSpMk id="84" creationId="{E2A99614-8874-B199-82B5-05C2082C22CF}"/>
-          </ac:grpSpMkLst>
-        </pc:grpChg>
         <pc:cxnChg chg="mod">
           <ac:chgData name="Jean-Yves Vuillequez" userId="e7fac481abea6bd0" providerId="LiveId" clId="{79E365E8-22BC-4EC2-9606-9A9AC6CD1D22}" dt="2026-02-02T16:12:32.447" v="228"/>
           <ac:cxnSpMkLst>
             <pc:docMk/>
             <pc:sldMk cId="0" sldId="272"/>
             <ac:cxnSpMk id="16" creationId="{C9C23D12-455C-12D3-FE2F-F0013DF9B356}"/>
-          </ac:cxnSpMkLst>
-        </pc:cxnChg>
-        <pc:cxnChg chg="mod">
-          <ac:chgData name="Jean-Yves Vuillequez" userId="e7fac481abea6bd0" providerId="LiveId" clId="{79E365E8-22BC-4EC2-9606-9A9AC6CD1D22}" dt="2026-02-02T16:12:38.152" v="230" actId="21"/>
-          <ac:cxnSpMkLst>
-            <pc:docMk/>
-            <pc:sldMk cId="0" sldId="272"/>
-            <ac:cxnSpMk id="17" creationId="{E7C378F0-540F-EE8C-5E65-A2634082EA39}"/>
           </ac:cxnSpMkLst>
         </pc:cxnChg>
         <pc:cxnChg chg="mod">
@@ -459,22 +420,6 @@
             <pc:docMk/>
             <pc:sldMk cId="0" sldId="272"/>
             <ac:cxnSpMk id="19" creationId="{56267556-01E4-8554-D451-DCBFD1626D88}"/>
-          </ac:cxnSpMkLst>
-        </pc:cxnChg>
-        <pc:cxnChg chg="mod">
-          <ac:chgData name="Jean-Yves Vuillequez" userId="e7fac481abea6bd0" providerId="LiveId" clId="{79E365E8-22BC-4EC2-9606-9A9AC6CD1D22}" dt="2026-02-02T16:12:38.152" v="230" actId="21"/>
-          <ac:cxnSpMkLst>
-            <pc:docMk/>
-            <pc:sldMk cId="0" sldId="272"/>
-            <ac:cxnSpMk id="33" creationId="{D2131AD7-8C86-1B7B-D274-91FF7C6CFAD4}"/>
-          </ac:cxnSpMkLst>
-        </pc:cxnChg>
-        <pc:cxnChg chg="mod">
-          <ac:chgData name="Jean-Yves Vuillequez" userId="e7fac481abea6bd0" providerId="LiveId" clId="{79E365E8-22BC-4EC2-9606-9A9AC6CD1D22}" dt="2026-02-02T16:12:38.152" v="230" actId="21"/>
-          <ac:cxnSpMkLst>
-            <pc:docMk/>
-            <pc:sldMk cId="0" sldId="272"/>
-            <ac:cxnSpMk id="40" creationId="{2ED16C50-1AF6-F13B-C817-6FE324309705}"/>
           </ac:cxnSpMkLst>
         </pc:cxnChg>
       </pc:sldChg>
@@ -516,46 +461,6 @@
             <ac:picMk id="7" creationId="{78FC0971-8DC8-8A90-3868-064BC7FE4264}"/>
           </ac:picMkLst>
         </pc:picChg>
-        <pc:picChg chg="del">
-          <ac:chgData name="Jean-Yves Vuillequez" userId="e7fac481abea6bd0" providerId="LiveId" clId="{79E365E8-22BC-4EC2-9606-9A9AC6CD1D22}" dt="2026-02-02T16:17:59.367" v="245" actId="478"/>
-          <ac:picMkLst>
-            <pc:docMk/>
-            <pc:sldMk cId="1949808982" sldId="273"/>
-            <ac:picMk id="9" creationId="{E4FE4112-761B-E46C-E2ED-D901343CD1C1}"/>
-          </ac:picMkLst>
-        </pc:picChg>
-        <pc:picChg chg="add del mod">
-          <ac:chgData name="Jean-Yves Vuillequez" userId="e7fac481abea6bd0" providerId="LiveId" clId="{79E365E8-22BC-4EC2-9606-9A9AC6CD1D22}" dt="2026-02-02T16:41:36.220" v="286" actId="22"/>
-          <ac:picMkLst>
-            <pc:docMk/>
-            <pc:sldMk cId="1949808982" sldId="273"/>
-            <ac:picMk id="10" creationId="{F12B6138-6C0D-4C15-4EFD-AE60A4B93CF9}"/>
-          </ac:picMkLst>
-        </pc:picChg>
-        <pc:picChg chg="del">
-          <ac:chgData name="Jean-Yves Vuillequez" userId="e7fac481abea6bd0" providerId="LiveId" clId="{79E365E8-22BC-4EC2-9606-9A9AC6CD1D22}" dt="2026-02-02T16:17:59.367" v="245" actId="478"/>
-          <ac:picMkLst>
-            <pc:docMk/>
-            <pc:sldMk cId="1949808982" sldId="273"/>
-            <ac:picMk id="11" creationId="{2D2E5588-BF32-35DF-6EF3-8B4C3B09AF23}"/>
-          </ac:picMkLst>
-        </pc:picChg>
-        <pc:picChg chg="del">
-          <ac:chgData name="Jean-Yves Vuillequez" userId="e7fac481abea6bd0" providerId="LiveId" clId="{79E365E8-22BC-4EC2-9606-9A9AC6CD1D22}" dt="2026-02-02T16:17:59.367" v="245" actId="478"/>
-          <ac:picMkLst>
-            <pc:docMk/>
-            <pc:sldMk cId="1949808982" sldId="273"/>
-            <ac:picMk id="13" creationId="{32704BFA-C581-04A6-D276-756B9859C1AD}"/>
-          </ac:picMkLst>
-        </pc:picChg>
-        <pc:picChg chg="add del mod">
-          <ac:chgData name="Jean-Yves Vuillequez" userId="e7fac481abea6bd0" providerId="LiveId" clId="{79E365E8-22BC-4EC2-9606-9A9AC6CD1D22}" dt="2026-02-02T16:44:42.492" v="306" actId="22"/>
-          <ac:picMkLst>
-            <pc:docMk/>
-            <pc:sldMk cId="1949808982" sldId="273"/>
-            <ac:picMk id="14" creationId="{B717140F-A601-EB9C-B0D3-9BDB564681E0}"/>
-          </ac:picMkLst>
-        </pc:picChg>
       </pc:sldChg>
       <pc:sldChg chg="addSp delSp modSp add mod">
         <pc:chgData name="Jean-Yves Vuillequez" userId="e7fac481abea6bd0" providerId="LiveId" clId="{79E365E8-22BC-4EC2-9606-9A9AC6CD1D22}" dt="2026-02-03T16:36:58.913" v="1118" actId="20577"/>
@@ -579,52 +484,12 @@
             <ac:spMk id="68" creationId="{C3733C74-24E3-7920-AD3B-E8BFC249503D}"/>
           </ac:spMkLst>
         </pc:spChg>
-        <pc:picChg chg="del">
-          <ac:chgData name="Jean-Yves Vuillequez" userId="e7fac481abea6bd0" providerId="LiveId" clId="{79E365E8-22BC-4EC2-9606-9A9AC6CD1D22}" dt="2026-02-02T16:42:56.970" v="302" actId="478"/>
-          <ac:picMkLst>
-            <pc:docMk/>
-            <pc:sldMk cId="2520763536" sldId="274"/>
-            <ac:picMk id="5" creationId="{1A49A8A8-6D27-A16D-8B0F-24DFE95DEAFC}"/>
-          </ac:picMkLst>
-        </pc:picChg>
-        <pc:picChg chg="add del mod">
-          <ac:chgData name="Jean-Yves Vuillequez" userId="e7fac481abea6bd0" providerId="LiveId" clId="{79E365E8-22BC-4EC2-9606-9A9AC6CD1D22}" dt="2026-02-02T16:45:20.561" v="319" actId="21"/>
-          <ac:picMkLst>
-            <pc:docMk/>
-            <pc:sldMk cId="2520763536" sldId="274"/>
-            <ac:picMk id="6" creationId="{DA32B252-0256-1E46-B1C2-D2D703D86D2E}"/>
-          </ac:picMkLst>
-        </pc:picChg>
-        <pc:picChg chg="del">
-          <ac:chgData name="Jean-Yves Vuillequez" userId="e7fac481abea6bd0" providerId="LiveId" clId="{79E365E8-22BC-4EC2-9606-9A9AC6CD1D22}" dt="2026-02-02T16:42:56.970" v="302" actId="478"/>
-          <ac:picMkLst>
-            <pc:docMk/>
-            <pc:sldMk cId="2520763536" sldId="274"/>
-            <ac:picMk id="7" creationId="{ADA1DF02-5D35-6CD4-932F-24B1B04F31C1}"/>
-          </ac:picMkLst>
-        </pc:picChg>
-        <pc:picChg chg="add del mod ord">
-          <ac:chgData name="Jean-Yves Vuillequez" userId="e7fac481abea6bd0" providerId="LiveId" clId="{79E365E8-22BC-4EC2-9606-9A9AC6CD1D22}" dt="2026-02-02T16:45:21.891" v="320" actId="478"/>
-          <ac:picMkLst>
-            <pc:docMk/>
-            <pc:sldMk cId="2520763536" sldId="274"/>
-            <ac:picMk id="8" creationId="{0EBA0407-8C83-9DE6-3F9A-89F9E78F7207}"/>
-          </ac:picMkLst>
-        </pc:picChg>
         <pc:picChg chg="add mod">
           <ac:chgData name="Jean-Yves Vuillequez" userId="e7fac481abea6bd0" providerId="LiveId" clId="{79E365E8-22BC-4EC2-9606-9A9AC6CD1D22}" dt="2026-02-02T16:46:58.274" v="336" actId="14100"/>
           <ac:picMkLst>
             <pc:docMk/>
             <pc:sldMk cId="2520763536" sldId="274"/>
             <ac:picMk id="9" creationId="{DA32B252-0256-1E46-B1C2-D2D703D86D2E}"/>
-          </ac:picMkLst>
-        </pc:picChg>
-        <pc:picChg chg="add del mod">
-          <ac:chgData name="Jean-Yves Vuillequez" userId="e7fac481abea6bd0" providerId="LiveId" clId="{79E365E8-22BC-4EC2-9606-9A9AC6CD1D22}" dt="2026-02-02T16:54:55.869" v="466" actId="478"/>
-          <ac:picMkLst>
-            <pc:docMk/>
-            <pc:sldMk cId="2520763536" sldId="274"/>
-            <ac:picMk id="11" creationId="{53427F09-B619-D915-94F2-BB1E73ED828F}"/>
           </ac:picMkLst>
         </pc:picChg>
         <pc:picChg chg="add mod">
@@ -658,33 +523,9 @@
             <ac:spMk id="6" creationId="{93C872CE-121A-B45D-34AA-6287E96C439E}"/>
           </ac:spMkLst>
         </pc:spChg>
-        <pc:spChg chg="del">
-          <ac:chgData name="Jean-Yves Vuillequez" userId="e7fac481abea6bd0" providerId="LiveId" clId="{79E365E8-22BC-4EC2-9606-9A9AC6CD1D22}" dt="2026-02-03T16:05:41.525" v="1013" actId="478"/>
-          <ac:spMkLst>
-            <pc:docMk/>
-            <pc:sldMk cId="350096336" sldId="275"/>
-            <ac:spMk id="7" creationId="{DFF6D287-5BE8-BB84-3F48-D2D08FBDAEFB}"/>
-          </ac:spMkLst>
-        </pc:spChg>
-        <pc:spChg chg="del">
-          <ac:chgData name="Jean-Yves Vuillequez" userId="e7fac481abea6bd0" providerId="LiveId" clId="{79E365E8-22BC-4EC2-9606-9A9AC6CD1D22}" dt="2026-02-03T16:05:41.525" v="1013" actId="478"/>
-          <ac:spMkLst>
-            <pc:docMk/>
-            <pc:sldMk cId="350096336" sldId="275"/>
-            <ac:spMk id="8" creationId="{2E270FDB-1C95-4A69-4FF2-0CEB6BD071FB}"/>
-          </ac:spMkLst>
-        </pc:spChg>
-        <pc:spChg chg="del mod">
-          <ac:chgData name="Jean-Yves Vuillequez" userId="e7fac481abea6bd0" providerId="LiveId" clId="{79E365E8-22BC-4EC2-9606-9A9AC6CD1D22}" dt="2026-02-03T16:05:41.525" v="1013" actId="478"/>
-          <ac:spMkLst>
-            <pc:docMk/>
-            <pc:sldMk cId="350096336" sldId="275"/>
-            <ac:spMk id="10" creationId="{EA7416D4-65A3-F619-40B7-89C294F65077}"/>
-          </ac:spMkLst>
-        </pc:spChg>
       </pc:sldChg>
       <pc:sldChg chg="addSp delSp modSp add mod">
-        <pc:chgData name="Jean-Yves Vuillequez" userId="e7fac481abea6bd0" providerId="LiveId" clId="{79E365E8-22BC-4EC2-9606-9A9AC6CD1D22}" dt="2026-02-03T16:40:31.021" v="1148" actId="20577"/>
+        <pc:chgData name="Jean-Yves Vuillequez" userId="e7fac481abea6bd0" providerId="LiveId" clId="{79E365E8-22BC-4EC2-9606-9A9AC6CD1D22}" dt="2026-02-11T16:19:00.194" v="1163" actId="20577"/>
         <pc:sldMkLst>
           <pc:docMk/>
           <pc:sldMk cId="2166643445" sldId="276"/>
@@ -697,14 +538,6 @@
             <ac:spMk id="11" creationId="{CCAFC56B-0391-D0D0-91A1-80E39855DACA}"/>
           </ac:spMkLst>
         </pc:spChg>
-        <pc:spChg chg="del mod">
-          <ac:chgData name="Jean-Yves Vuillequez" userId="e7fac481abea6bd0" providerId="LiveId" clId="{79E365E8-22BC-4EC2-9606-9A9AC6CD1D22}" dt="2026-02-02T17:23:42.633" v="675" actId="478"/>
-          <ac:spMkLst>
-            <pc:docMk/>
-            <pc:sldMk cId="2166643445" sldId="276"/>
-            <ac:spMk id="13" creationId="{E19003E3-280F-7E0C-2560-B968F183C4B3}"/>
-          </ac:spMkLst>
-        </pc:spChg>
         <pc:spChg chg="mod">
           <ac:chgData name="Jean-Yves Vuillequez" userId="e7fac481abea6bd0" providerId="LiveId" clId="{79E365E8-22BC-4EC2-9606-9A9AC6CD1D22}" dt="2026-02-02T17:17:55.868" v="657" actId="20577"/>
           <ac:spMkLst>
@@ -713,28 +546,12 @@
             <ac:spMk id="68" creationId="{3E1FE9AF-F8BF-6D41-7238-1CD8C87E5960}"/>
           </ac:spMkLst>
         </pc:spChg>
-        <pc:graphicFrameChg chg="add del mod modGraphic">
-          <ac:chgData name="Jean-Yves Vuillequez" userId="e7fac481abea6bd0" providerId="LiveId" clId="{79E365E8-22BC-4EC2-9606-9A9AC6CD1D22}" dt="2026-02-03T15:53:27.209" v="999" actId="478"/>
-          <ac:graphicFrameMkLst>
-            <pc:docMk/>
-            <pc:sldMk cId="2166643445" sldId="276"/>
-            <ac:graphicFrameMk id="2" creationId="{7517B66E-54DA-E1FE-8B7F-637D80E2EECB}"/>
-          </ac:graphicFrameMkLst>
-        </pc:graphicFrameChg>
         <pc:graphicFrameChg chg="mod modGraphic">
-          <ac:chgData name="Jean-Yves Vuillequez" userId="e7fac481abea6bd0" providerId="LiveId" clId="{79E365E8-22BC-4EC2-9606-9A9AC6CD1D22}" dt="2026-02-03T16:40:31.021" v="1148" actId="20577"/>
+          <ac:chgData name="Jean-Yves Vuillequez" userId="e7fac481abea6bd0" providerId="LiveId" clId="{79E365E8-22BC-4EC2-9606-9A9AC6CD1D22}" dt="2026-02-11T16:19:00.194" v="1163" actId="20577"/>
           <ac:graphicFrameMkLst>
             <pc:docMk/>
             <pc:sldMk cId="2166643445" sldId="276"/>
             <ac:graphicFrameMk id="3" creationId="{8413E2CF-464F-F5E1-341F-3D8E5281BBA6}"/>
-          </ac:graphicFrameMkLst>
-        </pc:graphicFrameChg>
-        <pc:graphicFrameChg chg="del">
-          <ac:chgData name="Jean-Yves Vuillequez" userId="e7fac481abea6bd0" providerId="LiveId" clId="{79E365E8-22BC-4EC2-9606-9A9AC6CD1D22}" dt="2026-02-02T17:23:45.188" v="676" actId="478"/>
-          <ac:graphicFrameMkLst>
-            <pc:docMk/>
-            <pc:sldMk cId="2166643445" sldId="276"/>
-            <ac:graphicFrameMk id="12" creationId="{96E9CAC1-4227-BB56-BF25-F3E8680718D1}"/>
           </ac:graphicFrameMkLst>
         </pc:graphicFrameChg>
       </pc:sldChg>
@@ -744,14 +561,6 @@
           <pc:docMk/>
           <pc:sldMk cId="611361633" sldId="277"/>
         </pc:sldMkLst>
-        <pc:spChg chg="del">
-          <ac:chgData name="Jean-Yves Vuillequez" userId="e7fac481abea6bd0" providerId="LiveId" clId="{79E365E8-22BC-4EC2-9606-9A9AC6CD1D22}" dt="2026-02-02T17:29:48.256" v="702" actId="478"/>
-          <ac:spMkLst>
-            <pc:docMk/>
-            <pc:sldMk cId="611361633" sldId="277"/>
-            <ac:spMk id="11" creationId="{9000B0BF-2432-C8B8-9B7B-086A030D5C36}"/>
-          </ac:spMkLst>
-        </pc:spChg>
         <pc:spChg chg="add mod">
           <ac:chgData name="Jean-Yves Vuillequez" userId="e7fac481abea6bd0" providerId="LiveId" clId="{79E365E8-22BC-4EC2-9606-9A9AC6CD1D22}" dt="2026-02-02T18:06:44.954" v="780" actId="14100"/>
           <ac:spMkLst>
@@ -776,14 +585,6 @@
             <ac:spMk id="68" creationId="{74D7DD58-AF04-7763-38DB-B636276598FD}"/>
           </ac:spMkLst>
         </pc:spChg>
-        <pc:graphicFrameChg chg="del">
-          <ac:chgData name="Jean-Yves Vuillequez" userId="e7fac481abea6bd0" providerId="LiveId" clId="{79E365E8-22BC-4EC2-9606-9A9AC6CD1D22}" dt="2026-02-02T17:29:48.256" v="702" actId="478"/>
-          <ac:graphicFrameMkLst>
-            <pc:docMk/>
-            <pc:sldMk cId="611361633" sldId="277"/>
-            <ac:graphicFrameMk id="3" creationId="{AC52741F-46D7-24B3-EF0B-C2A495C761E1}"/>
-          </ac:graphicFrameMkLst>
-        </pc:graphicFrameChg>
         <pc:picChg chg="add mod">
           <ac:chgData name="Jean-Yves Vuillequez" userId="e7fac481abea6bd0" providerId="LiveId" clId="{79E365E8-22BC-4EC2-9606-9A9AC6CD1D22}" dt="2026-02-03T16:35:25.801" v="1109" actId="1076"/>
           <ac:picMkLst>
@@ -792,36 +593,12 @@
             <ac:picMk id="3" creationId="{33FBCFA1-BE8F-FFBD-BFBF-F5C0BCC712DA}"/>
           </ac:picMkLst>
         </pc:picChg>
-        <pc:picChg chg="add del mod">
-          <ac:chgData name="Jean-Yves Vuillequez" userId="e7fac481abea6bd0" providerId="LiveId" clId="{79E365E8-22BC-4EC2-9606-9A9AC6CD1D22}" dt="2026-02-02T17:37:27.700" v="747" actId="478"/>
-          <ac:picMkLst>
-            <pc:docMk/>
-            <pc:sldMk cId="611361633" sldId="277"/>
-            <ac:picMk id="4" creationId="{546150DC-426A-0D17-513D-4E0F59DC5BAA}"/>
-          </ac:picMkLst>
-        </pc:picChg>
-        <pc:picChg chg="add del mod">
-          <ac:chgData name="Jean-Yves Vuillequez" userId="e7fac481abea6bd0" providerId="LiveId" clId="{79E365E8-22BC-4EC2-9606-9A9AC6CD1D22}" dt="2026-02-02T17:37:27.700" v="747" actId="478"/>
-          <ac:picMkLst>
-            <pc:docMk/>
-            <pc:sldMk cId="611361633" sldId="277"/>
-            <ac:picMk id="6" creationId="{3FF8A3DA-2600-B800-9F4C-F081D35B7B18}"/>
-          </ac:picMkLst>
-        </pc:picChg>
         <pc:picChg chg="add mod">
           <ac:chgData name="Jean-Yves Vuillequez" userId="e7fac481abea6bd0" providerId="LiveId" clId="{79E365E8-22BC-4EC2-9606-9A9AC6CD1D22}" dt="2026-02-03T16:35:25.801" v="1109" actId="1076"/>
           <ac:picMkLst>
             <pc:docMk/>
             <pc:sldMk cId="611361633" sldId="277"/>
             <ac:picMk id="8" creationId="{45A3FBBD-7727-F197-BB81-5EE5C65E2897}"/>
-          </ac:picMkLst>
-        </pc:picChg>
-        <pc:picChg chg="add del mod">
-          <ac:chgData name="Jean-Yves Vuillequez" userId="e7fac481abea6bd0" providerId="LiveId" clId="{79E365E8-22BC-4EC2-9606-9A9AC6CD1D22}" dt="2026-02-02T18:05:14.042" v="758" actId="22"/>
-          <ac:picMkLst>
-            <pc:docMk/>
-            <pc:sldMk cId="611361633" sldId="277"/>
-            <ac:picMk id="10" creationId="{C9EB2D93-B7E5-49CA-B762-81CEFB678653}"/>
           </ac:picMkLst>
         </pc:picChg>
         <pc:picChg chg="add mod">
@@ -19455,14 +19232,14 @@
           <p:nvPr>
             <p:extLst>
               <p:ext uri="{D42A27DB-BD31-4B8C-83A1-F6EECF244321}">
-                <p14:modId xmlns:p14="http://schemas.microsoft.com/office/powerpoint/2010/main" val="2365549430"/>
+                <p14:modId xmlns:p14="http://schemas.microsoft.com/office/powerpoint/2010/main" val="2234563807"/>
               </p:ext>
             </p:extLst>
           </p:nvPr>
         </p:nvGraphicFramePr>
         <p:xfrm>
           <a:off x="463374" y="1767412"/>
-          <a:ext cx="8260639" cy="1810624"/>
+          <a:ext cx="8260639" cy="1871584"/>
         </p:xfrm>
         <a:graphic>
           <a:graphicData uri="http://schemas.openxmlformats.org/drawingml/2006/table">
@@ -19817,9 +19594,10 @@
                         <a:buNone/>
                       </a:pPr>
                       <a:r>
-                        <a:rPr lang="fr-FR" dirty="0"/>
-                        <a:t>RF</a:t>
+                        <a:rPr lang="fr-FR" dirty="0" err="1"/>
+                        <a:t>RandomForest</a:t>
                       </a:r>
+                      <a:endParaRPr lang="fr-FR" dirty="0"/>
                     </a:p>
                   </a:txBody>
                   <a:tcPr anchor="ctr"/>
